--- a/22 Оценка сложности вычислительных алгоритмов.pptx
+++ b/22 Оценка сложности вычислительных алгоритмов.pptx
@@ -3163,11 +3163,15 @@
           <a:p>
             <a:r>
               <a:rPr lang="ru-RU" sz="4000" dirty="0"/>
-              <a:t>Оценка сложности вычислительных </a:t>
+              <a:t>Оценка </a:t>
             </a:r>
             <a:r>
               <a:rPr lang="ru-RU" sz="4000" dirty="0" smtClean="0"/>
-              <a:t>программ</a:t>
+              <a:t>вычислительной </a:t>
+            </a:r>
+            <a:r>
+              <a:rPr lang="ru-RU" sz="4000" dirty="0"/>
+              <a:t>сложности программ</a:t>
             </a:r>
             <a:endParaRPr lang="ru-RU" sz="4000" dirty="0"/>
           </a:p>
@@ -3709,7 +3713,7 @@
         <p:spPr/>
         <p:txBody>
           <a:bodyPr>
-            <a:normAutofit/>
+            <a:normAutofit fontScale="92500" lnSpcReduction="10000"/>
           </a:bodyPr>
           <a:lstStyle/>
           <a:p>
@@ -3737,19 +3741,235 @@
               <a:rPr lang="en-US" sz="2400" dirty="0" smtClean="0"/>
               <a:t>RS</a:t>
             </a:r>
-          </a:p>
-          <a:p>
             <a:endParaRPr lang="ru-RU" sz="2400" dirty="0" smtClean="0"/>
+          </a:p>
+          <a:p>
+            <a:pPr lvl="1"/>
+            <a:r>
+              <a:rPr lang="en-US" sz="2000" dirty="0" smtClean="0"/>
+              <a:t>a</a:t>
+            </a:r>
+            <a:r>
+              <a:rPr lang="en-US" sz="2000" baseline="30000" dirty="0" smtClean="0"/>
+              <a:t>27</a:t>
+            </a:r>
+            <a:r>
+              <a:rPr lang="en-US" sz="2000" dirty="0" smtClean="0"/>
+              <a:t> = a</a:t>
+            </a:r>
+            <a:r>
+              <a:rPr lang="en-US" sz="2000" baseline="30000" dirty="0" smtClean="0"/>
+              <a:t>16 + 8 + 2 + 1</a:t>
+            </a:r>
+            <a:r>
+              <a:rPr lang="en-US" sz="2000" dirty="0" smtClean="0"/>
+              <a:t> = a</a:t>
+            </a:r>
+            <a:r>
+              <a:rPr lang="en-US" sz="2000" baseline="30000" dirty="0" smtClean="0"/>
+              <a:t>16</a:t>
+            </a:r>
+            <a:r>
+              <a:rPr lang="en-US" sz="2000" dirty="0" smtClean="0"/>
+              <a:t> ∙</a:t>
+            </a:r>
+            <a:r>
+              <a:rPr lang="en-US" sz="2000" dirty="0"/>
+              <a:t> </a:t>
+            </a:r>
+            <a:r>
+              <a:rPr lang="en-US" sz="2000" dirty="0" smtClean="0"/>
+              <a:t>a</a:t>
+            </a:r>
+            <a:r>
+              <a:rPr lang="en-US" sz="2000" baseline="30000" dirty="0" smtClean="0"/>
+              <a:t>8 </a:t>
+            </a:r>
+            <a:r>
+              <a:rPr lang="en-US" sz="2000" dirty="0" smtClean="0"/>
+              <a:t>∙</a:t>
+            </a:r>
+            <a:r>
+              <a:rPr lang="en-US" sz="2000" dirty="0"/>
+              <a:t> </a:t>
+            </a:r>
+            <a:r>
+              <a:rPr lang="en-US" sz="2000" dirty="0" smtClean="0"/>
+              <a:t>a</a:t>
+            </a:r>
+            <a:r>
+              <a:rPr lang="en-US" sz="2000" baseline="30000" dirty="0" smtClean="0"/>
+              <a:t>2</a:t>
+            </a:r>
+            <a:r>
+              <a:rPr lang="en-US" sz="2000" dirty="0" smtClean="0"/>
+              <a:t> ∙</a:t>
+            </a:r>
+            <a:r>
+              <a:rPr lang="en-US" sz="2000" dirty="0"/>
+              <a:t> </a:t>
+            </a:r>
+            <a:r>
+              <a:rPr lang="en-US" sz="2000" dirty="0" smtClean="0"/>
+              <a:t>a</a:t>
+            </a:r>
+            <a:r>
+              <a:rPr lang="en-US" sz="2000" baseline="30000" dirty="0" smtClean="0"/>
+              <a:t>1</a:t>
+            </a:r>
+            <a:r>
+              <a:rPr lang="en-US" sz="2000" dirty="0"/>
+              <a:t> </a:t>
+            </a:r>
+            <a:r>
+              <a:rPr lang="en-US" sz="2000" dirty="0" smtClean="0"/>
+              <a:t>= </a:t>
+            </a:r>
+            <a:r>
+              <a:rPr lang="en-US" sz="2000" dirty="0"/>
+              <a:t> </a:t>
+            </a:r>
+            <a:r>
+              <a:rPr lang="en-US" sz="2000" dirty="0" smtClean="0"/>
+              <a:t>a</a:t>
+            </a:r>
+            <a:r>
+              <a:rPr lang="en-US" sz="2000" baseline="30000" dirty="0" smtClean="0"/>
+              <a:t>1</a:t>
+            </a:r>
+            <a:r>
+              <a:rPr lang="en-US" sz="2000" dirty="0"/>
+              <a:t> ∙ </a:t>
+            </a:r>
+            <a:r>
+              <a:rPr lang="en-US" sz="2000" dirty="0" smtClean="0"/>
+              <a:t>a</a:t>
+            </a:r>
+            <a:r>
+              <a:rPr lang="en-US" sz="2000" baseline="30000" dirty="0" smtClean="0"/>
+              <a:t>2</a:t>
+            </a:r>
+            <a:r>
+              <a:rPr lang="en-US" sz="2000" dirty="0" smtClean="0"/>
+              <a:t> </a:t>
+            </a:r>
+            <a:r>
+              <a:rPr lang="en-US" sz="2000" dirty="0"/>
+              <a:t>∙ </a:t>
+            </a:r>
+            <a:r>
+              <a:rPr lang="en-US" sz="2000" dirty="0" smtClean="0"/>
+              <a:t>a</a:t>
+            </a:r>
+            <a:r>
+              <a:rPr lang="en-US" sz="2000" baseline="30000" dirty="0" smtClean="0"/>
+              <a:t>8 </a:t>
+            </a:r>
+            <a:r>
+              <a:rPr lang="en-US" sz="2000" dirty="0"/>
+              <a:t>∙ </a:t>
+            </a:r>
+            <a:r>
+              <a:rPr lang="en-US" sz="2000" dirty="0" smtClean="0"/>
+              <a:t>a</a:t>
+            </a:r>
+            <a:r>
+              <a:rPr lang="en-US" sz="2000" baseline="30000" dirty="0" smtClean="0"/>
+              <a:t>16 </a:t>
+            </a:r>
+            <a:r>
+              <a:rPr lang="en-US" sz="2000" dirty="0" smtClean="0"/>
+              <a:t>– 3 + 4 = 7 </a:t>
+            </a:r>
+            <a:r>
+              <a:rPr lang="ru-RU" sz="2000" dirty="0" smtClean="0"/>
+              <a:t>умножений</a:t>
+            </a:r>
+            <a:endParaRPr lang="en-US" sz="2000" dirty="0" smtClean="0"/>
+          </a:p>
+          <a:p>
+            <a:pPr lvl="1"/>
+            <a:r>
+              <a:rPr lang="en-US" sz="2000" dirty="0"/>
+              <a:t>a</a:t>
+            </a:r>
+            <a:r>
+              <a:rPr lang="en-US" sz="2000" baseline="30000" dirty="0"/>
+              <a:t>27</a:t>
+            </a:r>
+            <a:r>
+              <a:rPr lang="en-US" sz="2000" dirty="0"/>
+              <a:t> </a:t>
+            </a:r>
+            <a:r>
+              <a:rPr lang="en-US" sz="2000" dirty="0" smtClean="0"/>
+              <a:t>=</a:t>
+            </a:r>
+            <a:r>
+              <a:rPr lang="ru-RU" sz="2000" dirty="0" smtClean="0"/>
+              <a:t> </a:t>
+            </a:r>
+            <a:r>
+              <a:rPr lang="en-US" sz="2000" dirty="0" smtClean="0"/>
+              <a:t>((a</a:t>
+            </a:r>
+            <a:r>
+              <a:rPr lang="en-US" sz="2000" baseline="30000" dirty="0" smtClean="0"/>
+              <a:t>3</a:t>
+            </a:r>
+            <a:r>
+              <a:rPr lang="en-US" sz="2000" dirty="0" smtClean="0"/>
+              <a:t>)</a:t>
+            </a:r>
+            <a:r>
+              <a:rPr lang="en-US" sz="2000" baseline="30000" dirty="0" smtClean="0"/>
+              <a:t>3</a:t>
+            </a:r>
+            <a:r>
+              <a:rPr lang="en-US" sz="2000" dirty="0" smtClean="0"/>
+              <a:t>)</a:t>
+            </a:r>
+            <a:r>
+              <a:rPr lang="en-US" sz="2000" baseline="30000" dirty="0" smtClean="0"/>
+              <a:t>3</a:t>
+            </a:r>
+            <a:r>
+              <a:rPr lang="ru-RU" sz="2000" baseline="30000" dirty="0" smtClean="0"/>
+              <a:t> </a:t>
+            </a:r>
+            <a:r>
+              <a:rPr lang="en-US" sz="2000" dirty="0" smtClean="0"/>
+              <a:t>–</a:t>
+            </a:r>
+            <a:r>
+              <a:rPr lang="ru-RU" sz="2000" dirty="0" smtClean="0"/>
+              <a:t> возведение в куб 2 умножения, а всего 6 умножений</a:t>
+            </a:r>
+            <a:endParaRPr lang="ru-RU" sz="2000" dirty="0" smtClean="0"/>
           </a:p>
           <a:p>
             <a:pPr marL="0" indent="0">
               <a:buNone/>
             </a:pPr>
+            <a:endParaRPr lang="en-US" sz="2400" dirty="0" smtClean="0">
+              <a:latin typeface="Consolas" panose="020B0609020204030204" pitchFamily="49" charset="0"/>
+            </a:endParaRPr>
+          </a:p>
+          <a:p>
+            <a:pPr marL="0" indent="0">
+              <a:buNone/>
+            </a:pPr>
             <a:r>
               <a:rPr lang="en-US" sz="2400" dirty="0" smtClean="0">
                 <a:latin typeface="Consolas" panose="020B0609020204030204" pitchFamily="49" charset="0"/>
               </a:rPr>
-              <a:t>RS(a, x):</a:t>
+              <a:t>RS(a</a:t>
+            </a:r>
+            <a:r>
+              <a:rPr lang="en-US" sz="2400" dirty="0" smtClean="0">
+                <a:latin typeface="Consolas" panose="020B0609020204030204" pitchFamily="49" charset="0"/>
+              </a:rPr>
+              <a:t>, x):</a:t>
             </a:r>
           </a:p>
           <a:p>
@@ -4023,15 +4243,24 @@
           <a:p>
             <a:r>
               <a:rPr lang="en-US" sz="2800" dirty="0" smtClean="0"/>
-              <a:t>Input(n) </a:t>
-            </a:r>
-            <a:r>
-              <a:rPr lang="en-US" sz="2800" dirty="0"/>
-              <a:t>= { x | </a:t>
+              <a:t>|x| = </a:t>
+            </a:r>
+            <a:r>
+              <a:rPr lang="ru-RU" sz="2800" dirty="0" smtClean="0"/>
+              <a:t>число битов в </a:t>
             </a:r>
             <a:r>
               <a:rPr lang="en-US" sz="2800" dirty="0" smtClean="0"/>
-              <a:t>2</a:t>
+              <a:t>x</a:t>
+            </a:r>
+          </a:p>
+          <a:p>
+            <a:endParaRPr lang="ru-RU" sz="2800" dirty="0" smtClean="0"/>
+          </a:p>
+          <a:p>
+            <a:r>
+              <a:rPr lang="en-US" sz="2800" dirty="0" smtClean="0"/>
+              <a:t>Input(n) = { x | 2</a:t>
             </a:r>
             <a:r>
               <a:rPr lang="en-US" sz="2800" baseline="30000" dirty="0" smtClean="0"/>
@@ -4039,15 +4268,7 @@
             </a:r>
             <a:r>
               <a:rPr lang="en-US" sz="2800" dirty="0" smtClean="0"/>
-              <a:t> </a:t>
-            </a:r>
-            <a:r>
-              <a:rPr lang="en-US" sz="2800" dirty="0"/>
-              <a:t>&lt;= x &lt; </a:t>
-            </a:r>
-            <a:r>
-              <a:rPr lang="en-US" sz="2800" dirty="0" smtClean="0"/>
-              <a:t>2</a:t>
+              <a:t> &lt;= x &lt; 2</a:t>
             </a:r>
             <a:r>
               <a:rPr lang="en-US" sz="2800" baseline="30000" dirty="0" smtClean="0"/>
@@ -4068,28 +4289,6 @@
             <a:r>
               <a:rPr lang="en-US" sz="2800" dirty="0" smtClean="0"/>
               <a:t> }</a:t>
-            </a:r>
-            <a:endParaRPr lang="en-US" sz="2800" dirty="0"/>
-          </a:p>
-          <a:p>
-            <a:endParaRPr lang="ru-RU" sz="2800" dirty="0" smtClean="0"/>
-          </a:p>
-          <a:p>
-            <a:r>
-              <a:rPr lang="en-US" sz="2800" dirty="0" smtClean="0"/>
-              <a:t>|</a:t>
-            </a:r>
-            <a:r>
-              <a:rPr lang="en-US" sz="2800" dirty="0"/>
-              <a:t>x| = </a:t>
-            </a:r>
-            <a:r>
-              <a:rPr lang="ru-RU" sz="2800" dirty="0"/>
-              <a:t>число битов в </a:t>
-            </a:r>
-            <a:r>
-              <a:rPr lang="en-US" sz="2800" dirty="0"/>
-              <a:t>x</a:t>
             </a:r>
           </a:p>
           <a:p>
@@ -4430,14 +4629,17 @@
         <p:spPr/>
         <p:txBody>
           <a:bodyPr>
-            <a:normAutofit/>
+            <a:normAutofit fontScale="92500" lnSpcReduction="20000"/>
           </a:bodyPr>
           <a:lstStyle/>
           <a:p>
             <a:r>
               <a:rPr lang="ru-RU" dirty="0" smtClean="0"/>
-              <a:t>Как известно, </a:t>
-            </a:r>
+              <a:t>Известно</a:t>
+            </a:r>
+          </a:p>
+          <a:p>
+            <a:pPr lvl="1"/>
             <a:r>
               <a:rPr lang="en-US" dirty="0" smtClean="0"/>
               <a:t>k</a:t>
@@ -4512,7 +4714,26 @@
               <a:rPr lang="en-US" dirty="0" smtClean="0"/>
               <a:t>1)</a:t>
             </a:r>
-            <a:endParaRPr lang="ru-RU" dirty="0" smtClean="0"/>
+          </a:p>
+          <a:p>
+            <a:pPr lvl="1"/>
+            <a:r>
+              <a:rPr lang="en-US" dirty="0" smtClean="0"/>
+              <a:t>C(n, 0) + C(n, 1) + … + C(n, n) = (1 + 1)</a:t>
+            </a:r>
+            <a:r>
+              <a:rPr lang="en-US" baseline="30000" dirty="0" smtClean="0"/>
+              <a:t>n</a:t>
+            </a:r>
+            <a:r>
+              <a:rPr lang="en-US" dirty="0" smtClean="0"/>
+              <a:t> = 2</a:t>
+            </a:r>
+            <a:r>
+              <a:rPr lang="en-US" baseline="30000" dirty="0" smtClean="0"/>
+              <a:t>n</a:t>
+            </a:r>
+            <a:endParaRPr lang="ru-RU" baseline="30000" dirty="0" smtClean="0"/>
           </a:p>
           <a:p>
             <a:endParaRPr lang="en-US" dirty="0" smtClean="0"/>
@@ -12773,6 +12994,14 @@
               <a:rPr lang="en-US" dirty="0" smtClean="0"/>
               <a:t>T(A*, n)</a:t>
             </a:r>
+            <a:r>
+              <a:rPr lang="ru-RU" dirty="0" smtClean="0"/>
+              <a:t> для всех </a:t>
+            </a:r>
+            <a:r>
+              <a:rPr lang="en-US" dirty="0"/>
+              <a:t>n</a:t>
+            </a:r>
             <a:endParaRPr lang="ru-RU" dirty="0" smtClean="0"/>
           </a:p>
         </p:txBody>
@@ -12893,7 +13122,15 @@
             </a:r>
             <a:r>
               <a:rPr lang="ru-RU" dirty="0" smtClean="0"/>
-              <a:t> -- оптимальные программы в классе АА, то </a:t>
+              <a:t> -- </a:t>
+            </a:r>
+            <a:r>
+              <a:rPr lang="ru-RU" dirty="0" smtClean="0"/>
+              <a:t>асимптотически оптимальные </a:t>
+            </a:r>
+            <a:r>
+              <a:rPr lang="ru-RU" dirty="0" smtClean="0"/>
+              <a:t>программы в классе АА, то </a:t>
             </a:r>
             <a:r>
               <a:rPr lang="ru-RU" dirty="0"/>
